--- a/Caroline_project_CYOH_presentation.pptx
+++ b/Caroline_project_CYOH_presentation.pptx
@@ -113,6 +113,11 @@
       </a:defRPr>
     </a:lvl9pPr>
   </p:defaultTextStyle>
+  <p:extLst>
+    <p:ext uri="{EFAFB233-063F-42B5-8137-9DF3F51BA10A}">
+      <p15:sldGuideLst xmlns:p15="http://schemas.microsoft.com/office/powerpoint/2012/main"/>
+    </p:ext>
+  </p:extLst>
 </p:presentation>
 </file>
 
@@ -198,7 +203,7 @@
           <a:p>
             <a:fld id="{087B2D18-B300-FA43-B69B-62FFA26063C8}" type="datetimeFigureOut">
               <a:rPr lang="en-US" smtClean="0"/>
-              <a:t>12/14/25</a:t>
+              <a:t>12/15/25</a:t>
             </a:fld>
             <a:endParaRPr lang="en-US"/>
           </a:p>
@@ -596,6 +601,98 @@
           <a:bodyPr/>
           <a:lstStyle/>
           <a:p>
+            <a:endParaRPr lang="en-US" sz="1200" b="0" i="0" kern="1200" dirty="0">
+              <a:solidFill>
+                <a:schemeClr val="tx1"/>
+              </a:solidFill>
+              <a:effectLst/>
+              <a:latin typeface="+mn-lt"/>
+              <a:ea typeface="+mn-ea"/>
+              <a:cs typeface="+mn-cs"/>
+            </a:endParaRPr>
+          </a:p>
+        </p:txBody>
+      </p:sp>
+      <p:sp>
+        <p:nvSpPr>
+          <p:cNvPr id="4" name="Slide Number Placeholder 3"/>
+          <p:cNvSpPr>
+            <a:spLocks noGrp="1"/>
+          </p:cNvSpPr>
+          <p:nvPr>
+            <p:ph type="sldNum" sz="quarter" idx="5"/>
+          </p:nvPr>
+        </p:nvSpPr>
+        <p:spPr/>
+        <p:txBody>
+          <a:bodyPr/>
+          <a:lstStyle/>
+          <a:p>
+            <a:fld id="{583A168D-38D9-B047-822A-F167E3340AA0}" type="slidenum">
+              <a:rPr lang="en-US" smtClean="0"/>
+              <a:t>3</a:t>
+            </a:fld>
+            <a:endParaRPr lang="en-US"/>
+          </a:p>
+        </p:txBody>
+      </p:sp>
+    </p:spTree>
+    <p:extLst>
+      <p:ext uri="{BB962C8B-B14F-4D97-AF65-F5344CB8AC3E}">
+        <p14:creationId xmlns:p14="http://schemas.microsoft.com/office/powerpoint/2010/main" val="228149956"/>
+      </p:ext>
+    </p:extLst>
+  </p:cSld>
+  <p:clrMapOvr>
+    <a:masterClrMapping/>
+  </p:clrMapOvr>
+</p:notes>
+</file>
+
+<file path=ppt/notesSlides/notesSlide3.xml><?xml version="1.0" encoding="utf-8"?>
+<p:notes xmlns:a="http://schemas.openxmlformats.org/drawingml/2006/main" xmlns:r="http://schemas.openxmlformats.org/officeDocument/2006/relationships" xmlns:p="http://schemas.openxmlformats.org/presentationml/2006/main">
+  <p:cSld>
+    <p:spTree>
+      <p:nvGrpSpPr>
+        <p:cNvPr id="1" name=""/>
+        <p:cNvGrpSpPr/>
+        <p:nvPr/>
+      </p:nvGrpSpPr>
+      <p:grpSpPr>
+        <a:xfrm>
+          <a:off x="0" y="0"/>
+          <a:ext cx="0" cy="0"/>
+          <a:chOff x="0" y="0"/>
+          <a:chExt cx="0" cy="0"/>
+        </a:xfrm>
+      </p:grpSpPr>
+      <p:sp>
+        <p:nvSpPr>
+          <p:cNvPr id="2" name="Slide Image Placeholder 1"/>
+          <p:cNvSpPr>
+            <a:spLocks noGrp="1" noRot="1" noChangeAspect="1"/>
+          </p:cNvSpPr>
+          <p:nvPr>
+            <p:ph type="sldImg"/>
+          </p:nvPr>
+        </p:nvSpPr>
+        <p:spPr/>
+      </p:sp>
+      <p:sp>
+        <p:nvSpPr>
+          <p:cNvPr id="3" name="Notes Placeholder 2"/>
+          <p:cNvSpPr>
+            <a:spLocks noGrp="1"/>
+          </p:cNvSpPr>
+          <p:nvPr>
+            <p:ph type="body" idx="1"/>
+          </p:nvPr>
+        </p:nvSpPr>
+        <p:spPr/>
+        <p:txBody>
+          <a:bodyPr/>
+          <a:lstStyle/>
+          <a:p>
             <a:endParaRPr lang="en-US" dirty="0"/>
           </a:p>
         </p:txBody>
@@ -775,7 +872,7 @@
           <a:p>
             <a:fld id="{65F7C1B1-FAD3-1847-BAA2-20EE38C9D46F}" type="datetimeFigureOut">
               <a:rPr lang="en-US" smtClean="0"/>
-              <a:t>12/14/25</a:t>
+              <a:t>12/15/25</a:t>
             </a:fld>
             <a:endParaRPr lang="en-US"/>
           </a:p>
@@ -986,7 +1083,7 @@
           <a:p>
             <a:fld id="{65F7C1B1-FAD3-1847-BAA2-20EE38C9D46F}" type="datetimeFigureOut">
               <a:rPr lang="en-US" smtClean="0"/>
-              <a:t>12/14/25</a:t>
+              <a:t>12/15/25</a:t>
             </a:fld>
             <a:endParaRPr lang="en-US"/>
           </a:p>
@@ -1201,7 +1298,7 @@
           <a:p>
             <a:fld id="{65F7C1B1-FAD3-1847-BAA2-20EE38C9D46F}" type="datetimeFigureOut">
               <a:rPr lang="en-US" smtClean="0"/>
-              <a:t>12/14/25</a:t>
+              <a:t>12/15/25</a:t>
             </a:fld>
             <a:endParaRPr lang="en-US"/>
           </a:p>
@@ -1402,7 +1499,7 @@
           <a:p>
             <a:fld id="{65F7C1B1-FAD3-1847-BAA2-20EE38C9D46F}" type="datetimeFigureOut">
               <a:rPr lang="en-US" smtClean="0"/>
-              <a:t>12/14/25</a:t>
+              <a:t>12/15/25</a:t>
             </a:fld>
             <a:endParaRPr lang="en-US"/>
           </a:p>
@@ -1681,7 +1778,7 @@
           <a:p>
             <a:fld id="{65F7C1B1-FAD3-1847-BAA2-20EE38C9D46F}" type="datetimeFigureOut">
               <a:rPr lang="en-US" smtClean="0"/>
-              <a:t>12/14/25</a:t>
+              <a:t>12/15/25</a:t>
             </a:fld>
             <a:endParaRPr lang="en-US"/>
           </a:p>
@@ -1949,7 +2046,7 @@
           <a:p>
             <a:fld id="{65F7C1B1-FAD3-1847-BAA2-20EE38C9D46F}" type="datetimeFigureOut">
               <a:rPr lang="en-US" smtClean="0"/>
-              <a:t>12/14/25</a:t>
+              <a:t>12/15/25</a:t>
             </a:fld>
             <a:endParaRPr lang="en-US"/>
           </a:p>
@@ -2365,7 +2462,7 @@
           <a:p>
             <a:fld id="{65F7C1B1-FAD3-1847-BAA2-20EE38C9D46F}" type="datetimeFigureOut">
               <a:rPr lang="en-US" smtClean="0"/>
-              <a:t>12/14/25</a:t>
+              <a:t>12/15/25</a:t>
             </a:fld>
             <a:endParaRPr lang="en-US"/>
           </a:p>
@@ -2514,7 +2611,7 @@
           <a:p>
             <a:fld id="{65F7C1B1-FAD3-1847-BAA2-20EE38C9D46F}" type="datetimeFigureOut">
               <a:rPr lang="en-US" smtClean="0"/>
-              <a:t>12/14/25</a:t>
+              <a:t>12/15/25</a:t>
             </a:fld>
             <a:endParaRPr lang="en-US"/>
           </a:p>
@@ -2640,7 +2737,7 @@
           <a:p>
             <a:fld id="{65F7C1B1-FAD3-1847-BAA2-20EE38C9D46F}" type="datetimeFigureOut">
               <a:rPr lang="en-US" smtClean="0"/>
-              <a:t>12/14/25</a:t>
+              <a:t>12/15/25</a:t>
             </a:fld>
             <a:endParaRPr lang="en-US"/>
           </a:p>
@@ -2891,7 +2988,7 @@
           <a:p>
             <a:fld id="{65F7C1B1-FAD3-1847-BAA2-20EE38C9D46F}" type="datetimeFigureOut">
               <a:rPr lang="en-US" smtClean="0"/>
-              <a:t>12/14/25</a:t>
+              <a:t>12/15/25</a:t>
             </a:fld>
             <a:endParaRPr lang="en-US"/>
           </a:p>
@@ -3336,7 +3433,7 @@
           <a:p>
             <a:fld id="{65F7C1B1-FAD3-1847-BAA2-20EE38C9D46F}" type="datetimeFigureOut">
               <a:rPr lang="en-US" smtClean="0"/>
-              <a:t>12/14/25</a:t>
+              <a:t>12/15/25</a:t>
             </a:fld>
             <a:endParaRPr lang="en-US"/>
           </a:p>
@@ -3503,6 +3600,13 @@
             <a:schemeClr val="lt1"/>
           </a:fontRef>
         </p:style>
+        <p:txBody>
+          <a:bodyPr/>
+          <a:lstStyle/>
+          <a:p>
+            <a:endParaRPr lang="en-US"/>
+          </a:p>
+        </p:txBody>
       </p:sp>
       <p:pic>
         <p:nvPicPr>
@@ -3663,7 +3767,7 @@
           <a:p>
             <a:fld id="{65F7C1B1-FAD3-1847-BAA2-20EE38C9D46F}" type="datetimeFigureOut">
               <a:rPr lang="en-US" smtClean="0"/>
-              <a:t>12/14/25</a:t>
+              <a:t>12/15/25</a:t>
             </a:fld>
             <a:endParaRPr lang="en-US"/>
           </a:p>
@@ -4218,7 +4322,7 @@
             </a:r>
             <a:r>
               <a:rPr lang="en-US" dirty="0"/>
-              <a:t>Does Distracted driving significantly increase the likelihood of a drive being found  “At Fault” and lead to more severe vehicle damage?</a:t>
+              <a:t>Does Distracted driving significantly increase the likelihood of a driver being found  “At Fault” and lead to more severe vehicle damage?</a:t>
             </a:r>
           </a:p>
           <a:p>
@@ -4469,8 +4573,8 @@
         </p:nvSpPr>
         <p:spPr bwMode="auto">
           <a:xfrm>
-            <a:off x="1451579" y="2633042"/>
-            <a:ext cx="10622331" cy="2215991"/>
+            <a:off x="1345254" y="2351288"/>
+            <a:ext cx="10680424" cy="2800767"/>
           </a:xfrm>
           <a:prstGeom prst="rect">
             <a:avLst/>
@@ -4518,7 +4622,7 @@
           </a:bodyPr>
           <a:lstStyle/>
           <a:p>
-            <a:pPr marL="0" marR="0" lvl="0" indent="0" algn="l" defTabSz="914400" rtl="0" eaLnBrk="0" fontAlgn="base" latinLnBrk="0" hangingPunct="0">
+            <a:pPr marL="0" marR="0" lvl="0" indent="0" defTabSz="914400" rtl="0" eaLnBrk="0" fontAlgn="base" latinLnBrk="0" hangingPunct="0">
               <a:lnSpc>
                 <a:spcPct val="100000"/>
               </a:lnSpc>
@@ -4562,7 +4666,7 @@
             </a:r>
           </a:p>
           <a:p>
-            <a:pPr marL="0" marR="0" lvl="0" indent="0" algn="l" defTabSz="914400" rtl="0" eaLnBrk="0" fontAlgn="base" latinLnBrk="0" hangingPunct="0">
+            <a:pPr marL="0" marR="0" lvl="0" indent="0" defTabSz="914400" rtl="0" eaLnBrk="0" fontAlgn="base" latinLnBrk="0" hangingPunct="0">
               <a:lnSpc>
                 <a:spcPct val="100000"/>
               </a:lnSpc>
@@ -4685,7 +4789,7 @@
             </a:r>
           </a:p>
           <a:p>
-            <a:pPr marL="0" marR="0" lvl="0" indent="0" algn="l" defTabSz="914400" rtl="0" eaLnBrk="0" fontAlgn="base" latinLnBrk="0" hangingPunct="0">
+            <a:pPr marL="0" marR="0" lvl="0" indent="0" defTabSz="914400" rtl="0" eaLnBrk="0" fontAlgn="base" latinLnBrk="0" hangingPunct="0">
               <a:lnSpc>
                 <a:spcPct val="100000"/>
               </a:lnSpc>
@@ -4726,7 +4830,7 @@
             </a:endParaRPr>
           </a:p>
           <a:p>
-            <a:pPr marL="457200" lvl="1" indent="0" eaLnBrk="0" fontAlgn="base" hangingPunct="0">
+            <a:pPr lvl="1" eaLnBrk="0" fontAlgn="base" hangingPunct="0">
               <a:lnSpc>
                 <a:spcPct val="100000"/>
               </a:lnSpc>
@@ -4738,8 +4842,6 @@
               </a:spcAft>
               <a:buClrTx/>
               <a:buSzTx/>
-              <a:buFontTx/>
-              <a:buChar char="•"/>
             </a:pPr>
             <a:r>
               <a:rPr kumimoji="0" lang="en-US" altLang="en-US" sz="1600" b="0" i="0" u="none" strike="noStrike" cap="none" normalizeH="0" baseline="0" dirty="0">
@@ -4779,49 +4881,6 @@
                 <a:latin typeface="Arial" panose="020B0604020202020204" pitchFamily="34" charset="0"/>
               </a:rPr>
               <a:t>.</a:t>
-            </a:r>
-          </a:p>
-          <a:p>
-            <a:pPr marL="457200" lvl="1" indent="0" eaLnBrk="0" fontAlgn="base" hangingPunct="0">
-              <a:lnSpc>
-                <a:spcPct val="100000"/>
-              </a:lnSpc>
-              <a:spcBef>
-                <a:spcPct val="0"/>
-              </a:spcBef>
-              <a:spcAft>
-                <a:spcPct val="0"/>
-              </a:spcAft>
-              <a:buClrTx/>
-              <a:buSzTx/>
-              <a:buFontTx/>
-              <a:buChar char="•"/>
-            </a:pPr>
-            <a:r>
-              <a:rPr kumimoji="0" lang="en-US" altLang="en-US" sz="1600" b="1" i="0" u="none" strike="noStrike" cap="none" normalizeH="0" baseline="0" dirty="0">
-                <a:ln>
-                  <a:noFill/>
-                </a:ln>
-                <a:solidFill>
-                  <a:schemeClr val="tx1"/>
-                </a:solidFill>
-                <a:effectLst/>
-                <a:latin typeface="Arial" panose="020B0604020202020204" pitchFamily="34" charset="0"/>
-              </a:rPr>
-              <a:t>Why:</a:t>
-            </a:r>
-            <a:r>
-              <a:rPr kumimoji="0" lang="en-US" altLang="en-US" sz="1600" b="0" i="0" u="none" strike="noStrike" cap="none" normalizeH="0" baseline="0" dirty="0">
-                <a:ln>
-                  <a:noFill/>
-                </a:ln>
-                <a:solidFill>
-                  <a:schemeClr val="tx1"/>
-                </a:solidFill>
-                <a:effectLst/>
-                <a:latin typeface="Arial" panose="020B0604020202020204" pitchFamily="34" charset="0"/>
-              </a:rPr>
-              <a:t> The Central Limit Theorem (CLT) does not apply to medians of discrete, </a:t>
             </a:r>
           </a:p>
           <a:p>
@@ -4839,18 +4898,77 @@
               <a:buSzTx/>
               <a:buNone/>
             </a:pPr>
-            <a:r>
-              <a:rPr kumimoji="0" lang="en-US" altLang="en-US" sz="1600" b="0" i="0" u="none" strike="noStrike" cap="none" normalizeH="0" baseline="0" dirty="0">
-                <a:ln>
-                  <a:noFill/>
-                </a:ln>
-                <a:solidFill>
-                  <a:schemeClr val="tx1"/>
-                </a:solidFill>
-                <a:effectLst/>
-                <a:latin typeface="Arial" panose="020B0604020202020204" pitchFamily="34" charset="0"/>
-              </a:rPr>
-              <a:t>ordinal data (0-4 scale), so standard z-tests or t-tests would be invalid </a:t>
+            <a:endParaRPr lang="en-US" b="1" dirty="0"/>
+          </a:p>
+          <a:p>
+            <a:pPr marL="457200" lvl="1" indent="0" eaLnBrk="0" fontAlgn="base" hangingPunct="0">
+              <a:lnSpc>
+                <a:spcPct val="100000"/>
+              </a:lnSpc>
+              <a:spcBef>
+                <a:spcPct val="0"/>
+              </a:spcBef>
+              <a:spcAft>
+                <a:spcPct val="0"/>
+              </a:spcAft>
+              <a:buClrTx/>
+              <a:buSzTx/>
+              <a:buNone/>
+            </a:pPr>
+            <a:r>
+              <a:rPr lang="en-US" b="1" dirty="0"/>
+              <a:t>Why CLT does not apply: </a:t>
+            </a:r>
+          </a:p>
+          <a:p>
+            <a:pPr lvl="1" eaLnBrk="0" fontAlgn="base" hangingPunct="0">
+              <a:lnSpc>
+                <a:spcPct val="100000"/>
+              </a:lnSpc>
+              <a:spcBef>
+                <a:spcPct val="0"/>
+              </a:spcBef>
+              <a:spcAft>
+                <a:spcPct val="0"/>
+              </a:spcAft>
+              <a:buClrTx/>
+              <a:buSzTx/>
+            </a:pPr>
+            <a:r>
+              <a:rPr lang="en-US" dirty="0"/>
+              <a:t>	The damage score is discrete and ordinal (integers 0-4) and the sampling distribution of a median</a:t>
+            </a:r>
+          </a:p>
+          <a:p>
+            <a:pPr marL="457200" lvl="1" indent="0" eaLnBrk="0" fontAlgn="base" hangingPunct="0">
+              <a:lnSpc>
+                <a:spcPct val="100000"/>
+              </a:lnSpc>
+              <a:spcBef>
+                <a:spcPct val="0"/>
+              </a:spcBef>
+              <a:spcAft>
+                <a:spcPct val="0"/>
+              </a:spcAft>
+              <a:buClrTx/>
+              <a:buSzTx/>
+              <a:buNone/>
+            </a:pPr>
+            <a:r>
+              <a:rPr lang="en-US"/>
+              <a:t>from </a:t>
+            </a:r>
+            <a:r>
+              <a:rPr lang="en-US" dirty="0"/>
+              <a:t>such a distribution is generally not normal</a:t>
+            </a:r>
+            <a:r>
+              <a:rPr lang="en-US"/>
+              <a:t>, making </a:t>
+            </a:r>
+            <a:r>
+              <a:rPr lang="en-US" dirty="0"/>
+              <a:t>standard parametric confidence intervals invalid.</a:t>
             </a:r>
           </a:p>
           <a:p>

--- a/Caroline_project_CYOH_presentation.pptx
+++ b/Caroline_project_CYOH_presentation.pptx
@@ -17673,7 +17673,7 @@
             </a:r>
           </a:p>
           <a:p>
-            <a:pPr marL="0" marR="0" lvl="0" indent="0" defTabSz="914400" rtl="0" eaLnBrk="0" fontAlgn="base" latinLnBrk="0" hangingPunct="0">
+            <a:pPr marL="0" lvl="0" indent="0" eaLnBrk="0" fontAlgn="base" hangingPunct="0">
               <a:lnSpc>
                 <a:spcPct val="110000"/>
               </a:lnSpc>
@@ -17687,7 +17687,6 @@
               <a:buSzTx/>
               <a:buFontTx/>
               <a:buChar char="•"/>
-              <a:tabLst/>
             </a:pPr>
             <a:r>
               <a:rPr kumimoji="0" lang="en-US" altLang="en-US" sz="1300" b="1" i="0" u="none" strike="noStrike" cap="none" normalizeH="0" baseline="0" dirty="0">
@@ -17720,15 +17719,22 @@
               <a:t>[0.656, 0.663]</a:t>
             </a:r>
             <a:r>
-              <a:rPr kumimoji="0" lang="en-US" altLang="en-US" sz="1300" b="0" i="0" u="none" strike="noStrike" cap="none" normalizeH="0" baseline="0" dirty="0">
-                <a:ln>
-                  <a:noFill/>
-                </a:ln>
-                <a:effectLst/>
+              <a:rPr lang="en-US" altLang="en-US" sz="1300" dirty="0">
                 <a:latin typeface="Arial" panose="020B0604020202020204" pitchFamily="34" charset="0"/>
               </a:rPr>
-              <a:t>.</a:t>
+              <a:t>,</a:t>
             </a:r>
+            <a:r>
+              <a:rPr lang="en-US" sz="1400" dirty="0"/>
+              <a:t> The tight confidence interval reflects a large, precisely estimated effect that is statistically significant</a:t>
+            </a:r>
+            <a:endParaRPr kumimoji="0" lang="en-US" altLang="en-US" sz="1300" b="0" i="0" u="none" strike="noStrike" cap="none" normalizeH="0" baseline="0" dirty="0">
+              <a:ln>
+                <a:noFill/>
+              </a:ln>
+              <a:effectLst/>
+              <a:latin typeface="Arial" panose="020B0604020202020204" pitchFamily="34" charset="0"/>
+            </a:endParaRPr>
           </a:p>
           <a:p>
             <a:pPr marL="0" marR="0" lvl="0" indent="0" defTabSz="914400" rtl="0" eaLnBrk="0" fontAlgn="base" latinLnBrk="0" hangingPunct="0">
@@ -17788,6 +17794,12 @@
               <a:buChar char="•"/>
             </a:pPr>
             <a:r>
+              <a:rPr lang="en-US" altLang="en-US" sz="1100" b="1" i="1" dirty="0">
+                <a:latin typeface="Arial" panose="020B0604020202020204" pitchFamily="34" charset="0"/>
+              </a:rPr>
+              <a:t>Why</a:t>
+            </a:r>
+            <a:r>
               <a:rPr kumimoji="0" lang="en-US" altLang="en-US" sz="1100" b="0" i="1" u="none" strike="noStrike" cap="none" normalizeH="0" baseline="0" dirty="0">
                 <a:ln>
                   <a:noFill/>
@@ -17795,7 +17807,7 @@
                 <a:effectLst/>
                 <a:latin typeface="Arial" panose="020B0604020202020204" pitchFamily="34" charset="0"/>
               </a:rPr>
-              <a:t>Why:</a:t>
+              <a:t>:</a:t>
             </a:r>
             <a:r>
               <a:rPr kumimoji="0" lang="en-US" altLang="en-US" sz="1100" b="0" i="0" u="none" strike="noStrike" cap="none" normalizeH="0" baseline="0" dirty="0">
@@ -17815,7 +17827,39 @@
                 <a:effectLst/>
                 <a:latin typeface="Arial" panose="020B0604020202020204" pitchFamily="34" charset="0"/>
               </a:rPr>
-              <a:t>This visualization (the side-by-side plot with the grey null distribution on the left and your red observed line far to the right) is the strongest evidence you have. It visually proves that the observed effect is impossible to generate by random chance.</a:t>
+              <a:t>This visualization (the side-by-side plot with the grey null distribution on the left and  red observed line far to the right) </a:t>
+            </a:r>
+            <a:r>
+              <a:rPr lang="en-US" altLang="en-US" sz="1200" dirty="0">
+                <a:latin typeface="Arial" panose="020B0604020202020204" pitchFamily="34" charset="0"/>
+              </a:rPr>
+              <a:t>shows</a:t>
+            </a:r>
+            <a:r>
+              <a:rPr kumimoji="0" lang="en-US" altLang="en-US" sz="1200" b="0" i="0" u="none" strike="noStrike" cap="none" normalizeH="0" baseline="0" dirty="0">
+                <a:ln>
+                  <a:noFill/>
+                </a:ln>
+                <a:effectLst/>
+                <a:latin typeface="Arial" panose="020B0604020202020204" pitchFamily="34" charset="0"/>
+              </a:rPr>
+              <a:t> that the observed effect is </a:t>
+            </a:r>
+            <a:r>
+              <a:rPr lang="en-US" altLang="en-US" sz="1200" dirty="0">
+                <a:latin typeface="Arial" panose="020B0604020202020204" pitchFamily="34" charset="0"/>
+              </a:rPr>
+              <a:t>extremely due to </a:t>
+            </a:r>
+            <a:r>
+              <a:rPr kumimoji="0" lang="en-US" altLang="en-US" sz="1200" b="0" i="0" u="none" strike="noStrike" cap="none" normalizeH="0" baseline="0" dirty="0">
+                <a:ln>
+                  <a:noFill/>
+                </a:ln>
+                <a:effectLst/>
+                <a:latin typeface="Arial" panose="020B0604020202020204" pitchFamily="34" charset="0"/>
+              </a:rPr>
+              <a:t>random chance.</a:t>
             </a:r>
           </a:p>
           <a:p>
